--- a/assets/presentations/MSANDE228_Lecture4_Inference_in_High_Dimensional_Linear_Models.pptx
+++ b/assets/presentations/MSANDE228_Lecture4_Inference_in_High_Dimensional_Linear_Models.pptx
@@ -37,23 +37,24 @@
     <p:sldId id="2395" r:id="rId31"/>
     <p:sldId id="2379" r:id="rId32"/>
     <p:sldId id="2397" r:id="rId33"/>
-    <p:sldId id="2381" r:id="rId34"/>
-    <p:sldId id="2399" r:id="rId35"/>
-    <p:sldId id="2380" r:id="rId36"/>
-    <p:sldId id="2400" r:id="rId37"/>
-    <p:sldId id="2398" r:id="rId38"/>
-    <p:sldId id="2401" r:id="rId39"/>
-    <p:sldId id="2402" r:id="rId40"/>
-    <p:sldId id="2382" r:id="rId41"/>
-    <p:sldId id="2384" r:id="rId42"/>
-    <p:sldId id="2403" r:id="rId43"/>
-    <p:sldId id="2404" r:id="rId44"/>
-    <p:sldId id="2405" r:id="rId45"/>
-    <p:sldId id="2385" r:id="rId46"/>
-    <p:sldId id="2386" r:id="rId47"/>
-    <p:sldId id="2406" r:id="rId48"/>
-    <p:sldId id="2407" r:id="rId49"/>
-    <p:sldId id="2408" r:id="rId50"/>
+    <p:sldId id="2412" r:id="rId34"/>
+    <p:sldId id="2381" r:id="rId35"/>
+    <p:sldId id="2399" r:id="rId36"/>
+    <p:sldId id="2380" r:id="rId37"/>
+    <p:sldId id="2400" r:id="rId38"/>
+    <p:sldId id="2398" r:id="rId39"/>
+    <p:sldId id="2401" r:id="rId40"/>
+    <p:sldId id="2402" r:id="rId41"/>
+    <p:sldId id="2382" r:id="rId42"/>
+    <p:sldId id="2384" r:id="rId43"/>
+    <p:sldId id="2403" r:id="rId44"/>
+    <p:sldId id="2404" r:id="rId45"/>
+    <p:sldId id="2405" r:id="rId46"/>
+    <p:sldId id="2385" r:id="rId47"/>
+    <p:sldId id="2386" r:id="rId48"/>
+    <p:sldId id="2406" r:id="rId49"/>
+    <p:sldId id="2407" r:id="rId50"/>
+    <p:sldId id="2408" r:id="rId51"/>
   </p:sldIdLst>
   <p:sldSz cx="12192000" cy="6858000"/>
   <p:notesSz cx="6858000" cy="9144000"/>
@@ -9158,7 +9159,7 @@
           <a:p>
             <a:fld id="{DE6BA60F-DE6F-45D4-98F5-DAB0AE3C7AA8}" type="datetimeFigureOut">
               <a:rPr lang="en-US" smtClean="0"/>
-              <a:t>1/30/2023</a:t>
+              <a:t>1/23/2024</a:t>
             </a:fld>
             <a:endParaRPr lang="en-US"/>
           </a:p>
@@ -9356,7 +9357,7 @@
           <a:p>
             <a:fld id="{DE6BA60F-DE6F-45D4-98F5-DAB0AE3C7AA8}" type="datetimeFigureOut">
               <a:rPr lang="en-US" smtClean="0"/>
-              <a:t>1/30/2023</a:t>
+              <a:t>1/23/2024</a:t>
             </a:fld>
             <a:endParaRPr lang="en-US"/>
           </a:p>
@@ -9564,7 +9565,7 @@
           <a:p>
             <a:fld id="{DE6BA60F-DE6F-45D4-98F5-DAB0AE3C7AA8}" type="datetimeFigureOut">
               <a:rPr lang="en-US" smtClean="0"/>
-              <a:t>1/30/2023</a:t>
+              <a:t>1/23/2024</a:t>
             </a:fld>
             <a:endParaRPr lang="en-US"/>
           </a:p>
@@ -9762,7 +9763,7 @@
           <a:p>
             <a:fld id="{DE6BA60F-DE6F-45D4-98F5-DAB0AE3C7AA8}" type="datetimeFigureOut">
               <a:rPr lang="en-US" smtClean="0"/>
-              <a:t>1/30/2023</a:t>
+              <a:t>1/23/2024</a:t>
             </a:fld>
             <a:endParaRPr lang="en-US"/>
           </a:p>
@@ -10037,7 +10038,7 @@
           <a:p>
             <a:fld id="{DE6BA60F-DE6F-45D4-98F5-DAB0AE3C7AA8}" type="datetimeFigureOut">
               <a:rPr lang="en-US" smtClean="0"/>
-              <a:t>1/30/2023</a:t>
+              <a:t>1/23/2024</a:t>
             </a:fld>
             <a:endParaRPr lang="en-US"/>
           </a:p>
@@ -10302,7 +10303,7 @@
           <a:p>
             <a:fld id="{DE6BA60F-DE6F-45D4-98F5-DAB0AE3C7AA8}" type="datetimeFigureOut">
               <a:rPr lang="en-US" smtClean="0"/>
-              <a:t>1/30/2023</a:t>
+              <a:t>1/23/2024</a:t>
             </a:fld>
             <a:endParaRPr lang="en-US"/>
           </a:p>
@@ -10714,7 +10715,7 @@
           <a:p>
             <a:fld id="{DE6BA60F-DE6F-45D4-98F5-DAB0AE3C7AA8}" type="datetimeFigureOut">
               <a:rPr lang="en-US" smtClean="0"/>
-              <a:t>1/30/2023</a:t>
+              <a:t>1/23/2024</a:t>
             </a:fld>
             <a:endParaRPr lang="en-US"/>
           </a:p>
@@ -10855,7 +10856,7 @@
           <a:p>
             <a:fld id="{DE6BA60F-DE6F-45D4-98F5-DAB0AE3C7AA8}" type="datetimeFigureOut">
               <a:rPr lang="en-US" smtClean="0"/>
-              <a:t>1/30/2023</a:t>
+              <a:t>1/23/2024</a:t>
             </a:fld>
             <a:endParaRPr lang="en-US"/>
           </a:p>
@@ -10968,7 +10969,7 @@
           <a:p>
             <a:fld id="{DE6BA60F-DE6F-45D4-98F5-DAB0AE3C7AA8}" type="datetimeFigureOut">
               <a:rPr lang="en-US" smtClean="0"/>
-              <a:t>1/30/2023</a:t>
+              <a:t>1/23/2024</a:t>
             </a:fld>
             <a:endParaRPr lang="en-US"/>
           </a:p>
@@ -11279,7 +11280,7 @@
           <a:p>
             <a:fld id="{DE6BA60F-DE6F-45D4-98F5-DAB0AE3C7AA8}" type="datetimeFigureOut">
               <a:rPr lang="en-US" smtClean="0"/>
-              <a:t>1/30/2023</a:t>
+              <a:t>1/23/2024</a:t>
             </a:fld>
             <a:endParaRPr lang="en-US"/>
           </a:p>
@@ -11567,7 +11568,7 @@
           <a:p>
             <a:fld id="{DE6BA60F-DE6F-45D4-98F5-DAB0AE3C7AA8}" type="datetimeFigureOut">
               <a:rPr lang="en-US" smtClean="0"/>
-              <a:t>1/30/2023</a:t>
+              <a:t>1/23/2024</a:t>
             </a:fld>
             <a:endParaRPr lang="en-US"/>
           </a:p>
@@ -11808,7 +11809,7 @@
           <a:p>
             <a:fld id="{DE6BA60F-DE6F-45D4-98F5-DAB0AE3C7AA8}" type="datetimeFigureOut">
               <a:rPr lang="en-US" smtClean="0"/>
-              <a:t>1/30/2023</a:t>
+              <a:t>1/23/2024</a:t>
             </a:fld>
             <a:endParaRPr lang="en-US"/>
           </a:p>
@@ -23126,8 +23127,8 @@
           </a:p>
         </p:txBody>
       </p:sp>
-      <mc:AlternateContent xmlns:mc="http://schemas.openxmlformats.org/markup-compatibility/2006" xmlns:a14="http://schemas.microsoft.com/office/drawing/2010/main">
-        <mc:Choice Requires="a14">
+      <mc:AlternateContent xmlns:mc="http://schemas.openxmlformats.org/markup-compatibility/2006">
+        <mc:Choice xmlns:a14="http://schemas.microsoft.com/office/drawing/2010/main" Requires="a14">
           <p:sp>
             <p:nvSpPr>
               <p:cNvPr id="3" name="Content Placeholder 2">
@@ -23355,7 +23356,7 @@
             </p:txBody>
           </p:sp>
         </mc:Choice>
-        <mc:Fallback xmlns="">
+        <mc:Fallback>
           <p:sp>
             <p:nvSpPr>
               <p:cNvPr id="3" name="Content Placeholder 2">
@@ -23376,7 +23377,7 @@
               <a:blipFill>
                 <a:blip r:embed="rId2"/>
                 <a:stretch>
-                  <a:fillRect l="-1043" t="-2241"/>
+                  <a:fillRect l="-1043" t="-2241" r="-232"/>
                 </a:stretch>
               </a:blipFill>
             </p:spPr>
@@ -23617,6 +23618,113 @@
 </file>
 
 <file path=ppt/slides/slide33.xml><?xml version="1.0" encoding="utf-8"?>
+<p:sld xmlns:a="http://schemas.openxmlformats.org/drawingml/2006/main" xmlns:r="http://schemas.openxmlformats.org/officeDocument/2006/relationships" xmlns:p="http://schemas.openxmlformats.org/presentationml/2006/main">
+  <p:cSld>
+    <p:spTree>
+      <p:nvGrpSpPr>
+        <p:cNvPr id="1" name=""/>
+        <p:cNvGrpSpPr/>
+        <p:nvPr/>
+      </p:nvGrpSpPr>
+      <p:grpSpPr>
+        <a:xfrm>
+          <a:off x="0" y="0"/>
+          <a:ext cx="0" cy="0"/>
+          <a:chOff x="0" y="0"/>
+          <a:chExt cx="0" cy="0"/>
+        </a:xfrm>
+      </p:grpSpPr>
+      <p:sp>
+        <p:nvSpPr>
+          <p:cNvPr id="2" name="Title 1">
+            <a:extLst>
+              <a:ext uri="{FF2B5EF4-FFF2-40B4-BE49-F238E27FC236}">
+                <a16:creationId xmlns:a16="http://schemas.microsoft.com/office/drawing/2014/main" id="{1FFBB83B-881D-F9BB-1BE1-B7910A4A75BE}"/>
+              </a:ext>
+            </a:extLst>
+          </p:cNvPr>
+          <p:cNvSpPr>
+            <a:spLocks noGrp="1"/>
+          </p:cNvSpPr>
+          <p:nvPr>
+            <p:ph type="title"/>
+          </p:nvPr>
+        </p:nvSpPr>
+        <p:spPr/>
+        <p:txBody>
+          <a:bodyPr/>
+          <a:lstStyle/>
+          <a:p>
+            <a:r>
+              <a:rPr lang="en-US" dirty="0"/>
+              <a:t>Note: Never Penalize the Intercept</a:t>
+            </a:r>
+          </a:p>
+        </p:txBody>
+      </p:sp>
+      <p:sp>
+        <p:nvSpPr>
+          <p:cNvPr id="3" name="Content Placeholder 2">
+            <a:extLst>
+              <a:ext uri="{FF2B5EF4-FFF2-40B4-BE49-F238E27FC236}">
+                <a16:creationId xmlns:a16="http://schemas.microsoft.com/office/drawing/2014/main" id="{E1B5B653-DB66-732E-0351-36DC0F08BD6E}"/>
+              </a:ext>
+            </a:extLst>
+          </p:cNvPr>
+          <p:cNvSpPr>
+            <a:spLocks noGrp="1"/>
+          </p:cNvSpPr>
+          <p:nvPr>
+            <p:ph idx="1"/>
+          </p:nvPr>
+        </p:nvSpPr>
+        <p:spPr/>
+        <p:txBody>
+          <a:bodyPr/>
+          <a:lstStyle/>
+          <a:p>
+            <a:r>
+              <a:rPr lang="en-US" dirty="0"/>
+              <a:t>Most packages don’t penalize the intercept of the model by default</a:t>
+            </a:r>
+          </a:p>
+          <a:p>
+            <a:r>
+              <a:rPr lang="en-US" dirty="0"/>
+              <a:t>But be aware that this is the case</a:t>
+            </a:r>
+          </a:p>
+          <a:p>
+            <a:r>
+              <a:rPr lang="en-US" dirty="0"/>
+              <a:t>If not, one can always demean the outcome and covariates first before passing to the Lasso package</a:t>
+            </a:r>
+          </a:p>
+          <a:p>
+            <a:endParaRPr lang="en-US" dirty="0"/>
+          </a:p>
+          <a:p>
+            <a:r>
+              <a:rPr lang="en-US" dirty="0"/>
+              <a:t>When evaluating, make sure that you only use the “training based calculated means” and don’t calculate the “means” (of outcome and covariates) on the test set.</a:t>
+            </a:r>
+          </a:p>
+        </p:txBody>
+      </p:sp>
+    </p:spTree>
+    <p:extLst>
+      <p:ext uri="{BB962C8B-B14F-4D97-AF65-F5344CB8AC3E}">
+        <p14:creationId xmlns:p14="http://schemas.microsoft.com/office/powerpoint/2010/main" val="306151771"/>
+      </p:ext>
+    </p:extLst>
+  </p:cSld>
+  <p:clrMapOvr>
+    <a:masterClrMapping/>
+  </p:clrMapOvr>
+</p:sld>
+</file>
+
+<file path=ppt/slides/slide34.xml><?xml version="1.0" encoding="utf-8"?>
 <p:sld xmlns:a="http://schemas.openxmlformats.org/drawingml/2006/main" xmlns:r="http://schemas.openxmlformats.org/officeDocument/2006/relationships" xmlns:p="http://schemas.openxmlformats.org/presentationml/2006/main">
   <p:cSld>
     <p:spTree>
@@ -24138,7 +24246,7 @@
 </p:sld>
 </file>
 
-<file path=ppt/slides/slide34.xml><?xml version="1.0" encoding="utf-8"?>
+<file path=ppt/slides/slide35.xml><?xml version="1.0" encoding="utf-8"?>
 <p:sld xmlns:a="http://schemas.openxmlformats.org/drawingml/2006/main" xmlns:r="http://schemas.openxmlformats.org/officeDocument/2006/relationships" xmlns:p="http://schemas.openxmlformats.org/presentationml/2006/main">
   <p:cSld>
     <p:spTree>
@@ -24221,7 +24329,7 @@
 </p:sld>
 </file>
 
-<file path=ppt/slides/slide35.xml><?xml version="1.0" encoding="utf-8"?>
+<file path=ppt/slides/slide36.xml><?xml version="1.0" encoding="utf-8"?>
 <p:sld xmlns:a="http://schemas.openxmlformats.org/drawingml/2006/main" xmlns:r="http://schemas.openxmlformats.org/officeDocument/2006/relationships" xmlns:p="http://schemas.openxmlformats.org/presentationml/2006/main">
   <p:cSld>
     <p:spTree>
@@ -25204,7 +25312,7 @@
 </p:sld>
 </file>
 
-<file path=ppt/slides/slide36.xml><?xml version="1.0" encoding="utf-8"?>
+<file path=ppt/slides/slide37.xml><?xml version="1.0" encoding="utf-8"?>
 <p:sld xmlns:a="http://schemas.openxmlformats.org/drawingml/2006/main" xmlns:r="http://schemas.openxmlformats.org/officeDocument/2006/relationships" xmlns:p="http://schemas.openxmlformats.org/presentationml/2006/main">
   <p:cSld>
     <p:spTree>
@@ -25287,7 +25395,7 @@
 </p:sld>
 </file>
 
-<file path=ppt/slides/slide37.xml><?xml version="1.0" encoding="utf-8"?>
+<file path=ppt/slides/slide38.xml><?xml version="1.0" encoding="utf-8"?>
 <p:sld xmlns:a="http://schemas.openxmlformats.org/drawingml/2006/main" xmlns:r="http://schemas.openxmlformats.org/officeDocument/2006/relationships" xmlns:p="http://schemas.openxmlformats.org/presentationml/2006/main">
   <p:cSld>
     <p:spTree>
@@ -26020,7 +26128,7 @@
 </p:sld>
 </file>
 
-<file path=ppt/slides/slide38.xml><?xml version="1.0" encoding="utf-8"?>
+<file path=ppt/slides/slide39.xml><?xml version="1.0" encoding="utf-8"?>
 <p:sld xmlns:a="http://schemas.openxmlformats.org/drawingml/2006/main" xmlns:r="http://schemas.openxmlformats.org/officeDocument/2006/relationships" xmlns:p="http://schemas.openxmlformats.org/presentationml/2006/main">
   <p:cSld>
     <p:spTree>
@@ -27098,89 +27206,6 @@
 </p:sld>
 </file>
 
-<file path=ppt/slides/slide39.xml><?xml version="1.0" encoding="utf-8"?>
-<p:sld xmlns:a="http://schemas.openxmlformats.org/drawingml/2006/main" xmlns:r="http://schemas.openxmlformats.org/officeDocument/2006/relationships" xmlns:p="http://schemas.openxmlformats.org/presentationml/2006/main">
-  <p:cSld>
-    <p:spTree>
-      <p:nvGrpSpPr>
-        <p:cNvPr id="1" name=""/>
-        <p:cNvGrpSpPr/>
-        <p:nvPr/>
-      </p:nvGrpSpPr>
-      <p:grpSpPr>
-        <a:xfrm>
-          <a:off x="0" y="0"/>
-          <a:ext cx="0" cy="0"/>
-          <a:chOff x="0" y="0"/>
-          <a:chExt cx="0" cy="0"/>
-        </a:xfrm>
-      </p:grpSpPr>
-      <p:sp>
-        <p:nvSpPr>
-          <p:cNvPr id="2" name="Title 1">
-            <a:extLst>
-              <a:ext uri="{FF2B5EF4-FFF2-40B4-BE49-F238E27FC236}">
-                <a16:creationId xmlns:a16="http://schemas.microsoft.com/office/drawing/2014/main" id="{548F4048-4F74-76D5-9AF7-6E9DE9DB23C4}"/>
-              </a:ext>
-            </a:extLst>
-          </p:cNvPr>
-          <p:cNvSpPr>
-            <a:spLocks noGrp="1"/>
-          </p:cNvSpPr>
-          <p:nvPr>
-            <p:ph type="title"/>
-          </p:nvPr>
-        </p:nvSpPr>
-        <p:spPr/>
-        <p:txBody>
-          <a:bodyPr/>
-          <a:lstStyle/>
-          <a:p>
-            <a:r>
-              <a:rPr lang="en-US" dirty="0"/>
-              <a:t>Coding Example</a:t>
-            </a:r>
-          </a:p>
-        </p:txBody>
-      </p:sp>
-      <p:sp>
-        <p:nvSpPr>
-          <p:cNvPr id="3" name="Text Placeholder 2">
-            <a:extLst>
-              <a:ext uri="{FF2B5EF4-FFF2-40B4-BE49-F238E27FC236}">
-                <a16:creationId xmlns:a16="http://schemas.microsoft.com/office/drawing/2014/main" id="{49A96A67-3702-398C-0D73-72AB2E804A42}"/>
-              </a:ext>
-            </a:extLst>
-          </p:cNvPr>
-          <p:cNvSpPr>
-            <a:spLocks noGrp="1"/>
-          </p:cNvSpPr>
-          <p:nvPr>
-            <p:ph type="body" idx="1"/>
-          </p:nvPr>
-        </p:nvSpPr>
-        <p:spPr/>
-        <p:txBody>
-          <a:bodyPr/>
-          <a:lstStyle/>
-          <a:p>
-            <a:endParaRPr lang="en-US"/>
-          </a:p>
-        </p:txBody>
-      </p:sp>
-    </p:spTree>
-    <p:extLst>
-      <p:ext uri="{BB962C8B-B14F-4D97-AF65-F5344CB8AC3E}">
-        <p14:creationId xmlns:p14="http://schemas.microsoft.com/office/powerpoint/2010/main" val="161300360"/>
-      </p:ext>
-    </p:extLst>
-  </p:cSld>
-  <p:clrMapOvr>
-    <a:masterClrMapping/>
-  </p:clrMapOvr>
-</p:sld>
-</file>
-
 <file path=ppt/slides/slide4.xml><?xml version="1.0" encoding="utf-8"?>
 <p:sld xmlns:a="http://schemas.openxmlformats.org/drawingml/2006/main" xmlns:r="http://schemas.openxmlformats.org/officeDocument/2006/relationships" xmlns:p="http://schemas.openxmlformats.org/presentationml/2006/main">
   <p:cSld>
@@ -27265,6 +27290,89 @@
 </file>
 
 <file path=ppt/slides/slide40.xml><?xml version="1.0" encoding="utf-8"?>
+<p:sld xmlns:a="http://schemas.openxmlformats.org/drawingml/2006/main" xmlns:r="http://schemas.openxmlformats.org/officeDocument/2006/relationships" xmlns:p="http://schemas.openxmlformats.org/presentationml/2006/main">
+  <p:cSld>
+    <p:spTree>
+      <p:nvGrpSpPr>
+        <p:cNvPr id="1" name=""/>
+        <p:cNvGrpSpPr/>
+        <p:nvPr/>
+      </p:nvGrpSpPr>
+      <p:grpSpPr>
+        <a:xfrm>
+          <a:off x="0" y="0"/>
+          <a:ext cx="0" cy="0"/>
+          <a:chOff x="0" y="0"/>
+          <a:chExt cx="0" cy="0"/>
+        </a:xfrm>
+      </p:grpSpPr>
+      <p:sp>
+        <p:nvSpPr>
+          <p:cNvPr id="2" name="Title 1">
+            <a:extLst>
+              <a:ext uri="{FF2B5EF4-FFF2-40B4-BE49-F238E27FC236}">
+                <a16:creationId xmlns:a16="http://schemas.microsoft.com/office/drawing/2014/main" id="{548F4048-4F74-76D5-9AF7-6E9DE9DB23C4}"/>
+              </a:ext>
+            </a:extLst>
+          </p:cNvPr>
+          <p:cNvSpPr>
+            <a:spLocks noGrp="1"/>
+          </p:cNvSpPr>
+          <p:nvPr>
+            <p:ph type="title"/>
+          </p:nvPr>
+        </p:nvSpPr>
+        <p:spPr/>
+        <p:txBody>
+          <a:bodyPr/>
+          <a:lstStyle/>
+          <a:p>
+            <a:r>
+              <a:rPr lang="en-US" dirty="0"/>
+              <a:t>Coding Example</a:t>
+            </a:r>
+          </a:p>
+        </p:txBody>
+      </p:sp>
+      <p:sp>
+        <p:nvSpPr>
+          <p:cNvPr id="3" name="Text Placeholder 2">
+            <a:extLst>
+              <a:ext uri="{FF2B5EF4-FFF2-40B4-BE49-F238E27FC236}">
+                <a16:creationId xmlns:a16="http://schemas.microsoft.com/office/drawing/2014/main" id="{49A96A67-3702-398C-0D73-72AB2E804A42}"/>
+              </a:ext>
+            </a:extLst>
+          </p:cNvPr>
+          <p:cNvSpPr>
+            <a:spLocks noGrp="1"/>
+          </p:cNvSpPr>
+          <p:nvPr>
+            <p:ph type="body" idx="1"/>
+          </p:nvPr>
+        </p:nvSpPr>
+        <p:spPr/>
+        <p:txBody>
+          <a:bodyPr/>
+          <a:lstStyle/>
+          <a:p>
+            <a:endParaRPr lang="en-US"/>
+          </a:p>
+        </p:txBody>
+      </p:sp>
+    </p:spTree>
+    <p:extLst>
+      <p:ext uri="{BB962C8B-B14F-4D97-AF65-F5344CB8AC3E}">
+        <p14:creationId xmlns:p14="http://schemas.microsoft.com/office/powerpoint/2010/main" val="161300360"/>
+      </p:ext>
+    </p:extLst>
+  </p:cSld>
+  <p:clrMapOvr>
+    <a:masterClrMapping/>
+  </p:clrMapOvr>
+</p:sld>
+</file>
+
+<file path=ppt/slides/slide41.xml><?xml version="1.0" encoding="utf-8"?>
 <p:sld xmlns:a="http://schemas.openxmlformats.org/drawingml/2006/main" xmlns:r="http://schemas.openxmlformats.org/officeDocument/2006/relationships" xmlns:p="http://schemas.openxmlformats.org/presentationml/2006/main">
   <p:cSld>
     <p:spTree>
@@ -28131,7 +28239,7 @@
 </p:sld>
 </file>
 
-<file path=ppt/slides/slide41.xml><?xml version="1.0" encoding="utf-8"?>
+<file path=ppt/slides/slide42.xml><?xml version="1.0" encoding="utf-8"?>
 <p:sld xmlns:a="http://schemas.openxmlformats.org/drawingml/2006/main" xmlns:r="http://schemas.openxmlformats.org/officeDocument/2006/relationships" xmlns:p="http://schemas.openxmlformats.org/presentationml/2006/main">
   <p:cSld>
     <p:spTree>
@@ -29082,7 +29190,7 @@
 </p:sld>
 </file>
 
-<file path=ppt/slides/slide42.xml><?xml version="1.0" encoding="utf-8"?>
+<file path=ppt/slides/slide43.xml><?xml version="1.0" encoding="utf-8"?>
 <p:sld xmlns:a="http://schemas.openxmlformats.org/drawingml/2006/main" xmlns:r="http://schemas.openxmlformats.org/officeDocument/2006/relationships" xmlns:p="http://schemas.openxmlformats.org/presentationml/2006/main">
   <p:cSld>
     <p:spTree>
@@ -29317,7 +29425,7 @@
 </p:sld>
 </file>
 
-<file path=ppt/slides/slide43.xml><?xml version="1.0" encoding="utf-8"?>
+<file path=ppt/slides/slide44.xml><?xml version="1.0" encoding="utf-8"?>
 <p:sld xmlns:a="http://schemas.openxmlformats.org/drawingml/2006/main" xmlns:r="http://schemas.openxmlformats.org/officeDocument/2006/relationships" xmlns:p="http://schemas.openxmlformats.org/presentationml/2006/main">
   <p:cSld>
     <p:spTree>
@@ -29400,7 +29508,7 @@
 </p:sld>
 </file>
 
-<file path=ppt/slides/slide44.xml><?xml version="1.0" encoding="utf-8"?>
+<file path=ppt/slides/slide45.xml><?xml version="1.0" encoding="utf-8"?>
 <p:sld xmlns:a="http://schemas.openxmlformats.org/drawingml/2006/main" xmlns:r="http://schemas.openxmlformats.org/officeDocument/2006/relationships" xmlns:p="http://schemas.openxmlformats.org/presentationml/2006/main">
   <p:cSld>
     <p:spTree>
@@ -29873,7 +29981,7 @@
 </p:sld>
 </file>
 
-<file path=ppt/slides/slide45.xml><?xml version="1.0" encoding="utf-8"?>
+<file path=ppt/slides/slide46.xml><?xml version="1.0" encoding="utf-8"?>
 <p:sld xmlns:a="http://schemas.openxmlformats.org/drawingml/2006/main" xmlns:r="http://schemas.openxmlformats.org/officeDocument/2006/relationships" xmlns:p="http://schemas.openxmlformats.org/presentationml/2006/main">
   <p:cSld>
     <p:spTree>
@@ -29956,7 +30064,7 @@
 </p:sld>
 </file>
 
-<file path=ppt/slides/slide46.xml><?xml version="1.0" encoding="utf-8"?>
+<file path=ppt/slides/slide47.xml><?xml version="1.0" encoding="utf-8"?>
 <p:sld xmlns:a="http://schemas.openxmlformats.org/drawingml/2006/main" xmlns:r="http://schemas.openxmlformats.org/officeDocument/2006/relationships" xmlns:p="http://schemas.openxmlformats.org/presentationml/2006/main">
   <p:cSld>
     <p:bg>
@@ -30696,7 +30804,7 @@
 </p:sld>
 </file>
 
-<file path=ppt/slides/slide47.xml><?xml version="1.0" encoding="utf-8"?>
+<file path=ppt/slides/slide48.xml><?xml version="1.0" encoding="utf-8"?>
 <p:sld xmlns:a="http://schemas.openxmlformats.org/drawingml/2006/main" xmlns:r="http://schemas.openxmlformats.org/officeDocument/2006/relationships" xmlns:p="http://schemas.openxmlformats.org/presentationml/2006/main">
   <p:cSld>
     <p:bg>
@@ -31453,7 +31561,7 @@
 </p:sld>
 </file>
 
-<file path=ppt/slides/slide48.xml><?xml version="1.0" encoding="utf-8"?>
+<file path=ppt/slides/slide49.xml><?xml version="1.0" encoding="utf-8"?>
 <p:sld xmlns:a="http://schemas.openxmlformats.org/drawingml/2006/main" xmlns:r="http://schemas.openxmlformats.org/officeDocument/2006/relationships" xmlns:p="http://schemas.openxmlformats.org/presentationml/2006/main">
   <p:cSld>
     <p:bg>
@@ -32225,89 +32333,6 @@
 </p:sld>
 </file>
 
-<file path=ppt/slides/slide49.xml><?xml version="1.0" encoding="utf-8"?>
-<p:sld xmlns:a="http://schemas.openxmlformats.org/drawingml/2006/main" xmlns:r="http://schemas.openxmlformats.org/officeDocument/2006/relationships" xmlns:p="http://schemas.openxmlformats.org/presentationml/2006/main">
-  <p:cSld>
-    <p:spTree>
-      <p:nvGrpSpPr>
-        <p:cNvPr id="1" name=""/>
-        <p:cNvGrpSpPr/>
-        <p:nvPr/>
-      </p:nvGrpSpPr>
-      <p:grpSpPr>
-        <a:xfrm>
-          <a:off x="0" y="0"/>
-          <a:ext cx="0" cy="0"/>
-          <a:chOff x="0" y="0"/>
-          <a:chExt cx="0" cy="0"/>
-        </a:xfrm>
-      </p:grpSpPr>
-      <p:sp>
-        <p:nvSpPr>
-          <p:cNvPr id="2" name="Title 1">
-            <a:extLst>
-              <a:ext uri="{FF2B5EF4-FFF2-40B4-BE49-F238E27FC236}">
-                <a16:creationId xmlns:a16="http://schemas.microsoft.com/office/drawing/2014/main" id="{548F4048-4F74-76D5-9AF7-6E9DE9DB23C4}"/>
-              </a:ext>
-            </a:extLst>
-          </p:cNvPr>
-          <p:cNvSpPr>
-            <a:spLocks noGrp="1"/>
-          </p:cNvSpPr>
-          <p:nvPr>
-            <p:ph type="title"/>
-          </p:nvPr>
-        </p:nvSpPr>
-        <p:spPr/>
-        <p:txBody>
-          <a:bodyPr/>
-          <a:lstStyle/>
-          <a:p>
-            <a:r>
-              <a:rPr lang="en-US" dirty="0"/>
-              <a:t>Coding Example</a:t>
-            </a:r>
-          </a:p>
-        </p:txBody>
-      </p:sp>
-      <p:sp>
-        <p:nvSpPr>
-          <p:cNvPr id="3" name="Text Placeholder 2">
-            <a:extLst>
-              <a:ext uri="{FF2B5EF4-FFF2-40B4-BE49-F238E27FC236}">
-                <a16:creationId xmlns:a16="http://schemas.microsoft.com/office/drawing/2014/main" id="{49A96A67-3702-398C-0D73-72AB2E804A42}"/>
-              </a:ext>
-            </a:extLst>
-          </p:cNvPr>
-          <p:cNvSpPr>
-            <a:spLocks noGrp="1"/>
-          </p:cNvSpPr>
-          <p:nvPr>
-            <p:ph type="body" idx="1"/>
-          </p:nvPr>
-        </p:nvSpPr>
-        <p:spPr/>
-        <p:txBody>
-          <a:bodyPr/>
-          <a:lstStyle/>
-          <a:p>
-            <a:endParaRPr lang="en-US"/>
-          </a:p>
-        </p:txBody>
-      </p:sp>
-    </p:spTree>
-    <p:extLst>
-      <p:ext uri="{BB962C8B-B14F-4D97-AF65-F5344CB8AC3E}">
-        <p14:creationId xmlns:p14="http://schemas.microsoft.com/office/powerpoint/2010/main" val="2451309749"/>
-      </p:ext>
-    </p:extLst>
-  </p:cSld>
-  <p:clrMapOvr>
-    <a:masterClrMapping/>
-  </p:clrMapOvr>
-</p:sld>
-</file>
-
 <file path=ppt/slides/slide5.xml><?xml version="1.0" encoding="utf-8"?>
 <p:sld xmlns:a="http://schemas.openxmlformats.org/drawingml/2006/main" xmlns:r="http://schemas.openxmlformats.org/officeDocument/2006/relationships" xmlns:p="http://schemas.openxmlformats.org/presentationml/2006/main">
   <p:cSld>
@@ -32935,6 +32960,89 @@
     <p:extLst>
       <p:ext uri="{BB962C8B-B14F-4D97-AF65-F5344CB8AC3E}">
         <p14:creationId xmlns:p14="http://schemas.microsoft.com/office/powerpoint/2010/main" val="240172366"/>
+      </p:ext>
+    </p:extLst>
+  </p:cSld>
+  <p:clrMapOvr>
+    <a:masterClrMapping/>
+  </p:clrMapOvr>
+</p:sld>
+</file>
+
+<file path=ppt/slides/slide50.xml><?xml version="1.0" encoding="utf-8"?>
+<p:sld xmlns:a="http://schemas.openxmlformats.org/drawingml/2006/main" xmlns:r="http://schemas.openxmlformats.org/officeDocument/2006/relationships" xmlns:p="http://schemas.openxmlformats.org/presentationml/2006/main">
+  <p:cSld>
+    <p:spTree>
+      <p:nvGrpSpPr>
+        <p:cNvPr id="1" name=""/>
+        <p:cNvGrpSpPr/>
+        <p:nvPr/>
+      </p:nvGrpSpPr>
+      <p:grpSpPr>
+        <a:xfrm>
+          <a:off x="0" y="0"/>
+          <a:ext cx="0" cy="0"/>
+          <a:chOff x="0" y="0"/>
+          <a:chExt cx="0" cy="0"/>
+        </a:xfrm>
+      </p:grpSpPr>
+      <p:sp>
+        <p:nvSpPr>
+          <p:cNvPr id="2" name="Title 1">
+            <a:extLst>
+              <a:ext uri="{FF2B5EF4-FFF2-40B4-BE49-F238E27FC236}">
+                <a16:creationId xmlns:a16="http://schemas.microsoft.com/office/drawing/2014/main" id="{548F4048-4F74-76D5-9AF7-6E9DE9DB23C4}"/>
+              </a:ext>
+            </a:extLst>
+          </p:cNvPr>
+          <p:cNvSpPr>
+            <a:spLocks noGrp="1"/>
+          </p:cNvSpPr>
+          <p:nvPr>
+            <p:ph type="title"/>
+          </p:nvPr>
+        </p:nvSpPr>
+        <p:spPr/>
+        <p:txBody>
+          <a:bodyPr/>
+          <a:lstStyle/>
+          <a:p>
+            <a:r>
+              <a:rPr lang="en-US" dirty="0"/>
+              <a:t>Coding Example</a:t>
+            </a:r>
+          </a:p>
+        </p:txBody>
+      </p:sp>
+      <p:sp>
+        <p:nvSpPr>
+          <p:cNvPr id="3" name="Text Placeholder 2">
+            <a:extLst>
+              <a:ext uri="{FF2B5EF4-FFF2-40B4-BE49-F238E27FC236}">
+                <a16:creationId xmlns:a16="http://schemas.microsoft.com/office/drawing/2014/main" id="{49A96A67-3702-398C-0D73-72AB2E804A42}"/>
+              </a:ext>
+            </a:extLst>
+          </p:cNvPr>
+          <p:cNvSpPr>
+            <a:spLocks noGrp="1"/>
+          </p:cNvSpPr>
+          <p:nvPr>
+            <p:ph type="body" idx="1"/>
+          </p:nvPr>
+        </p:nvSpPr>
+        <p:spPr/>
+        <p:txBody>
+          <a:bodyPr/>
+          <a:lstStyle/>
+          <a:p>
+            <a:endParaRPr lang="en-US"/>
+          </a:p>
+        </p:txBody>
+      </p:sp>
+    </p:spTree>
+    <p:extLst>
+      <p:ext uri="{BB962C8B-B14F-4D97-AF65-F5344CB8AC3E}">
+        <p14:creationId xmlns:p14="http://schemas.microsoft.com/office/powerpoint/2010/main" val="2451309749"/>
       </p:ext>
     </p:extLst>
   </p:cSld>
